--- a/media/research_updates_2020-12-02.pptx
+++ b/media/research_updates_2020-12-02.pptx
@@ -10,6 +10,9 @@
     <p:sldId id="258" r:id="rId4"/>
     <p:sldId id="259" r:id="rId5"/>
     <p:sldId id="260" r:id="rId6"/>
+    <p:sldId id="261" r:id="rId7"/>
+    <p:sldId id="262" r:id="rId8"/>
+    <p:sldId id="263" r:id="rId9"/>
   </p:sldIdLst>
   <p:sldSz cx="12192000" cy="6858000"/>
   <p:notesSz cx="6858000" cy="9144000"/>
@@ -12601,7 +12604,23 @@
           <a:bodyPr/>
           <a:lstStyle/>
           <a:p>
-            <a:endParaRPr lang="en-US"/>
+            <a:r>
+              <a:rPr lang="en-US" dirty="0"/>
+              <a:t>Use multimodal approach</a:t>
+            </a:r>
+          </a:p>
+          <a:p>
+            <a:r>
+              <a:rPr lang="en-US" dirty="0"/>
+              <a:t>Different ways to frame the question:</a:t>
+            </a:r>
+          </a:p>
+          <a:p>
+            <a:pPr lvl="1"/>
+            <a:r>
+              <a:rPr lang="en-US" dirty="0"/>
+              <a:t>What is the fewest number of tweets we need in order to classify a person’s tweets as depressed or not?</a:t>
+            </a:r>
           </a:p>
         </p:txBody>
       </p:sp>
@@ -12684,7 +12703,38 @@
           <a:bodyPr/>
           <a:lstStyle/>
           <a:p>
-            <a:endParaRPr lang="en-US" dirty="0"/>
+            <a:r>
+              <a:rPr lang="en-US" dirty="0"/>
+              <a:t>Use multimodal approach:</a:t>
+            </a:r>
+          </a:p>
+          <a:p>
+            <a:pPr lvl="1"/>
+            <a:r>
+              <a:rPr lang="en-US" dirty="0"/>
+              <a:t>Tweet text</a:t>
+            </a:r>
+          </a:p>
+          <a:p>
+            <a:pPr lvl="1"/>
+            <a:r>
+              <a:rPr lang="en-US" dirty="0"/>
+              <a:t>User information / Twitter behavior</a:t>
+            </a:r>
+          </a:p>
+          <a:p>
+            <a:pPr lvl="1"/>
+            <a:r>
+              <a:rPr lang="en-US" dirty="0"/>
+              <a:t>Demographics / location</a:t>
+            </a:r>
+          </a:p>
+          <a:p>
+            <a:pPr lvl="1"/>
+            <a:r>
+              <a:rPr lang="en-US" dirty="0"/>
+              <a:t>Topic assignment of tweet (from LDA, topic models)</a:t>
+            </a:r>
           </a:p>
           <a:p>
             <a:r>
@@ -12785,11 +12835,11 @@
               <a:t>2020-11-25: Scraped 25,000 COVID tweets (keywords: </a:t>
             </a:r>
             <a:r>
-              <a:rPr lang="en-US" err="1"/>
+              <a:rPr lang="en-US" dirty="0" err="1"/>
               <a:t>covid</a:t>
             </a:r>
             <a:r>
-              <a:rPr lang="en-US"/>
+              <a:rPr lang="en-US" dirty="0"/>
               <a:t>, </a:t>
             </a:r>
           </a:p>
@@ -12799,6 +12849,363 @@
     <p:extLst>
       <p:ext uri="{BB962C8B-B14F-4D97-AF65-F5344CB8AC3E}">
         <p14:creationId xmlns:p14="http://schemas.microsoft.com/office/powerpoint/2010/main" val="1775000133"/>
+      </p:ext>
+    </p:extLst>
+  </p:cSld>
+  <p:clrMapOvr>
+    <a:masterClrMapping/>
+  </p:clrMapOvr>
+</p:sld>
+</file>
+
+<file path=ppt/slides/slide6.xml><?xml version="1.0" encoding="utf-8"?>
+<p:sld xmlns:a="http://schemas.openxmlformats.org/drawingml/2006/main" xmlns:r="http://schemas.openxmlformats.org/officeDocument/2006/relationships" xmlns:p="http://schemas.openxmlformats.org/presentationml/2006/main">
+  <p:cSld>
+    <p:spTree>
+      <p:nvGrpSpPr>
+        <p:cNvPr id="1" name=""/>
+        <p:cNvGrpSpPr/>
+        <p:nvPr/>
+      </p:nvGrpSpPr>
+      <p:grpSpPr>
+        <a:xfrm>
+          <a:off x="0" y="0"/>
+          <a:ext cx="0" cy="0"/>
+          <a:chOff x="0" y="0"/>
+          <a:chExt cx="0" cy="0"/>
+        </a:xfrm>
+      </p:grpSpPr>
+      <p:sp>
+        <p:nvSpPr>
+          <p:cNvPr id="2" name="Title 1">
+            <a:extLst>
+              <a:ext uri="{FF2B5EF4-FFF2-40B4-BE49-F238E27FC236}">
+                <a16:creationId xmlns:a16="http://schemas.microsoft.com/office/drawing/2014/main" id="{76265D0B-EFD2-AF40-944D-62DE89A04E2A}"/>
+              </a:ext>
+            </a:extLst>
+          </p:cNvPr>
+          <p:cNvSpPr>
+            <a:spLocks noGrp="1"/>
+          </p:cNvSpPr>
+          <p:nvPr>
+            <p:ph type="title"/>
+          </p:nvPr>
+        </p:nvSpPr>
+        <p:spPr/>
+        <p:txBody>
+          <a:bodyPr/>
+          <a:lstStyle/>
+          <a:p>
+            <a:r>
+              <a:rPr lang="en-US" dirty="0"/>
+              <a:t>Exploratory data analysis</a:t>
+            </a:r>
+          </a:p>
+        </p:txBody>
+      </p:sp>
+      <p:sp>
+        <p:nvSpPr>
+          <p:cNvPr id="7" name="Content Placeholder 6">
+            <a:extLst>
+              <a:ext uri="{FF2B5EF4-FFF2-40B4-BE49-F238E27FC236}">
+                <a16:creationId xmlns:a16="http://schemas.microsoft.com/office/drawing/2014/main" id="{9B096DC1-CE5C-8743-BD19-84821FF00886}"/>
+              </a:ext>
+            </a:extLst>
+          </p:cNvPr>
+          <p:cNvSpPr>
+            <a:spLocks noGrp="1"/>
+          </p:cNvSpPr>
+          <p:nvPr>
+            <p:ph idx="1"/>
+          </p:nvPr>
+        </p:nvSpPr>
+        <p:spPr/>
+        <p:txBody>
+          <a:bodyPr/>
+          <a:lstStyle/>
+          <a:p>
+            <a:endParaRPr lang="en-US"/>
+          </a:p>
+        </p:txBody>
+      </p:sp>
+    </p:spTree>
+    <p:extLst>
+      <p:ext uri="{BB962C8B-B14F-4D97-AF65-F5344CB8AC3E}">
+        <p14:creationId xmlns:p14="http://schemas.microsoft.com/office/powerpoint/2010/main" val="2627865955"/>
+      </p:ext>
+    </p:extLst>
+  </p:cSld>
+  <p:clrMapOvr>
+    <a:masterClrMapping/>
+  </p:clrMapOvr>
+</p:sld>
+</file>
+
+<file path=ppt/slides/slide7.xml><?xml version="1.0" encoding="utf-8"?>
+<p:sld xmlns:a="http://schemas.openxmlformats.org/drawingml/2006/main" xmlns:r="http://schemas.openxmlformats.org/officeDocument/2006/relationships" xmlns:p="http://schemas.openxmlformats.org/presentationml/2006/main">
+  <p:cSld>
+    <p:spTree>
+      <p:nvGrpSpPr>
+        <p:cNvPr id="1" name=""/>
+        <p:cNvGrpSpPr/>
+        <p:nvPr/>
+      </p:nvGrpSpPr>
+      <p:grpSpPr>
+        <a:xfrm>
+          <a:off x="0" y="0"/>
+          <a:ext cx="0" cy="0"/>
+          <a:chOff x="0" y="0"/>
+          <a:chExt cx="0" cy="0"/>
+        </a:xfrm>
+      </p:grpSpPr>
+      <p:pic>
+        <p:nvPicPr>
+          <p:cNvPr id="7" name="Picture 6">
+            <a:extLst>
+              <a:ext uri="{FF2B5EF4-FFF2-40B4-BE49-F238E27FC236}">
+                <a16:creationId xmlns:a16="http://schemas.microsoft.com/office/drawing/2014/main" id="{588D1E7F-882C-BA46-90B3-E63041F1D8C9}"/>
+              </a:ext>
+            </a:extLst>
+          </p:cNvPr>
+          <p:cNvPicPr>
+            <a:picLocks noChangeAspect="1"/>
+          </p:cNvPicPr>
+          <p:nvPr/>
+        </p:nvPicPr>
+        <p:blipFill>
+          <a:blip r:embed="rId2"/>
+          <a:stretch>
+            <a:fillRect/>
+          </a:stretch>
+        </p:blipFill>
+        <p:spPr>
+          <a:xfrm>
+            <a:off x="601060" y="1576552"/>
+            <a:ext cx="4854465" cy="3883572"/>
+          </a:xfrm>
+          <a:prstGeom prst="rect">
+            <a:avLst/>
+          </a:prstGeom>
+        </p:spPr>
+      </p:pic>
+      <p:pic>
+        <p:nvPicPr>
+          <p:cNvPr id="9" name="Picture 8">
+            <a:extLst>
+              <a:ext uri="{FF2B5EF4-FFF2-40B4-BE49-F238E27FC236}">
+                <a16:creationId xmlns:a16="http://schemas.microsoft.com/office/drawing/2014/main" id="{8F294445-DBEB-AD4F-9209-F526E09E5F18}"/>
+              </a:ext>
+            </a:extLst>
+          </p:cNvPr>
+          <p:cNvPicPr>
+            <a:picLocks noChangeAspect="1"/>
+          </p:cNvPicPr>
+          <p:nvPr/>
+        </p:nvPicPr>
+        <p:blipFill>
+          <a:blip r:embed="rId3"/>
+          <a:stretch>
+            <a:fillRect/>
+          </a:stretch>
+        </p:blipFill>
+        <p:spPr>
+          <a:xfrm>
+            <a:off x="6308177" y="1576552"/>
+            <a:ext cx="4854465" cy="3883572"/>
+          </a:xfrm>
+          <a:prstGeom prst="rect">
+            <a:avLst/>
+          </a:prstGeom>
+        </p:spPr>
+      </p:pic>
+      <p:sp>
+        <p:nvSpPr>
+          <p:cNvPr id="10" name="Title 9">
+            <a:extLst>
+              <a:ext uri="{FF2B5EF4-FFF2-40B4-BE49-F238E27FC236}">
+                <a16:creationId xmlns:a16="http://schemas.microsoft.com/office/drawing/2014/main" id="{0801F5D1-3869-CA43-A459-A5A7E6E57895}"/>
+              </a:ext>
+            </a:extLst>
+          </p:cNvPr>
+          <p:cNvSpPr>
+            <a:spLocks noGrp="1"/>
+          </p:cNvSpPr>
+          <p:nvPr>
+            <p:ph type="title"/>
+          </p:nvPr>
+        </p:nvSpPr>
+        <p:spPr>
+          <a:xfrm>
+            <a:off x="1143001" y="97982"/>
+            <a:ext cx="9905998" cy="1478570"/>
+          </a:xfrm>
+        </p:spPr>
+        <p:txBody>
+          <a:bodyPr/>
+          <a:lstStyle/>
+          <a:p>
+            <a:r>
+              <a:rPr lang="en-US" dirty="0" err="1"/>
+              <a:t>Wordclouds</a:t>
+            </a:r>
+            <a:endParaRPr lang="en-US" dirty="0"/>
+          </a:p>
+        </p:txBody>
+      </p:sp>
+      <p:sp>
+        <p:nvSpPr>
+          <p:cNvPr id="12" name="TextBox 11">
+            <a:extLst>
+              <a:ext uri="{FF2B5EF4-FFF2-40B4-BE49-F238E27FC236}">
+                <a16:creationId xmlns:a16="http://schemas.microsoft.com/office/drawing/2014/main" id="{4BA577F5-4ED0-EA4D-8E8F-EFCB24A5E5E2}"/>
+              </a:ext>
+            </a:extLst>
+          </p:cNvPr>
+          <p:cNvSpPr txBox="1"/>
+          <p:nvPr/>
+        </p:nvSpPr>
+        <p:spPr>
+          <a:xfrm>
+            <a:off x="1207537" y="5675586"/>
+            <a:ext cx="3641510" cy="369332"/>
+          </a:xfrm>
+          <a:prstGeom prst="rect">
+            <a:avLst/>
+          </a:prstGeom>
+          <a:noFill/>
+        </p:spPr>
+        <p:txBody>
+          <a:bodyPr wrap="none" rtlCol="0">
+            <a:spAutoFit/>
+          </a:bodyPr>
+          <a:lstStyle/>
+          <a:p>
+            <a:r>
+              <a:rPr lang="en-US" dirty="0"/>
+              <a:t>COVID tweets, November 25th, 2020</a:t>
+            </a:r>
+          </a:p>
+        </p:txBody>
+      </p:sp>
+      <p:sp>
+        <p:nvSpPr>
+          <p:cNvPr id="13" name="TextBox 12">
+            <a:extLst>
+              <a:ext uri="{FF2B5EF4-FFF2-40B4-BE49-F238E27FC236}">
+                <a16:creationId xmlns:a16="http://schemas.microsoft.com/office/drawing/2014/main" id="{E3182CA7-D543-0845-B4DB-4F27B5FB853A}"/>
+              </a:ext>
+            </a:extLst>
+          </p:cNvPr>
+          <p:cNvSpPr txBox="1"/>
+          <p:nvPr/>
+        </p:nvSpPr>
+        <p:spPr>
+          <a:xfrm>
+            <a:off x="6607775" y="5675586"/>
+            <a:ext cx="4255267" cy="369332"/>
+          </a:xfrm>
+          <a:prstGeom prst="rect">
+            <a:avLst/>
+          </a:prstGeom>
+          <a:noFill/>
+        </p:spPr>
+        <p:txBody>
+          <a:bodyPr wrap="none" rtlCol="0">
+            <a:spAutoFit/>
+          </a:bodyPr>
+          <a:lstStyle/>
+          <a:p>
+            <a:r>
+              <a:rPr lang="en-US" dirty="0"/>
+              <a:t>Mental health tweets, November 30th, 2020</a:t>
+            </a:r>
+          </a:p>
+        </p:txBody>
+      </p:sp>
+    </p:spTree>
+    <p:extLst>
+      <p:ext uri="{BB962C8B-B14F-4D97-AF65-F5344CB8AC3E}">
+        <p14:creationId xmlns:p14="http://schemas.microsoft.com/office/powerpoint/2010/main" val="1744888121"/>
+      </p:ext>
+    </p:extLst>
+  </p:cSld>
+  <p:clrMapOvr>
+    <a:masterClrMapping/>
+  </p:clrMapOvr>
+</p:sld>
+</file>
+
+<file path=ppt/slides/slide8.xml><?xml version="1.0" encoding="utf-8"?>
+<p:sld xmlns:a="http://schemas.openxmlformats.org/drawingml/2006/main" xmlns:r="http://schemas.openxmlformats.org/officeDocument/2006/relationships" xmlns:p="http://schemas.openxmlformats.org/presentationml/2006/main">
+  <p:cSld>
+    <p:spTree>
+      <p:nvGrpSpPr>
+        <p:cNvPr id="1" name=""/>
+        <p:cNvGrpSpPr/>
+        <p:nvPr/>
+      </p:nvGrpSpPr>
+      <p:grpSpPr>
+        <a:xfrm>
+          <a:off x="0" y="0"/>
+          <a:ext cx="0" cy="0"/>
+          <a:chOff x="0" y="0"/>
+          <a:chExt cx="0" cy="0"/>
+        </a:xfrm>
+      </p:grpSpPr>
+      <p:sp>
+        <p:nvSpPr>
+          <p:cNvPr id="2" name="Title 1">
+            <a:extLst>
+              <a:ext uri="{FF2B5EF4-FFF2-40B4-BE49-F238E27FC236}">
+                <a16:creationId xmlns:a16="http://schemas.microsoft.com/office/drawing/2014/main" id="{2A8677ED-D002-A048-BF00-00A322030F7C}"/>
+              </a:ext>
+            </a:extLst>
+          </p:cNvPr>
+          <p:cNvSpPr>
+            <a:spLocks noGrp="1"/>
+          </p:cNvSpPr>
+          <p:nvPr>
+            <p:ph type="title"/>
+          </p:nvPr>
+        </p:nvSpPr>
+        <p:spPr/>
+        <p:txBody>
+          <a:bodyPr/>
+          <a:lstStyle/>
+          <a:p>
+            <a:endParaRPr lang="en-US"/>
+          </a:p>
+        </p:txBody>
+      </p:sp>
+      <p:sp>
+        <p:nvSpPr>
+          <p:cNvPr id="3" name="Content Placeholder 2">
+            <a:extLst>
+              <a:ext uri="{FF2B5EF4-FFF2-40B4-BE49-F238E27FC236}">
+                <a16:creationId xmlns:a16="http://schemas.microsoft.com/office/drawing/2014/main" id="{6BC4F753-96E1-624C-96D1-76E13E034C92}"/>
+              </a:ext>
+            </a:extLst>
+          </p:cNvPr>
+          <p:cNvSpPr>
+            <a:spLocks noGrp="1"/>
+          </p:cNvSpPr>
+          <p:nvPr>
+            <p:ph idx="1"/>
+          </p:nvPr>
+        </p:nvSpPr>
+        <p:spPr/>
+        <p:txBody>
+          <a:bodyPr/>
+          <a:lstStyle/>
+          <a:p>
+            <a:endParaRPr lang="en-US"/>
+          </a:p>
+        </p:txBody>
+      </p:sp>
+    </p:spTree>
+    <p:extLst>
+      <p:ext uri="{BB962C8B-B14F-4D97-AF65-F5344CB8AC3E}">
+        <p14:creationId xmlns:p14="http://schemas.microsoft.com/office/powerpoint/2010/main" val="2421079471"/>
       </p:ext>
     </p:extLst>
   </p:cSld>

--- a/media/research_updates_2020-12-02.pptx
+++ b/media/research_updates_2020-12-02.pptx
@@ -8,11 +8,14 @@
     <p:sldId id="256" r:id="rId2"/>
     <p:sldId id="257" r:id="rId3"/>
     <p:sldId id="258" r:id="rId4"/>
-    <p:sldId id="259" r:id="rId5"/>
-    <p:sldId id="260" r:id="rId6"/>
-    <p:sldId id="261" r:id="rId7"/>
-    <p:sldId id="262" r:id="rId8"/>
-    <p:sldId id="263" r:id="rId9"/>
+    <p:sldId id="264" r:id="rId5"/>
+    <p:sldId id="259" r:id="rId6"/>
+    <p:sldId id="260" r:id="rId7"/>
+    <p:sldId id="261" r:id="rId8"/>
+    <p:sldId id="262" r:id="rId9"/>
+    <p:sldId id="265" r:id="rId10"/>
+    <p:sldId id="266" r:id="rId11"/>
+    <p:sldId id="263" r:id="rId12"/>
   </p:sldIdLst>
   <p:sldSz cx="12192000" cy="6858000"/>
   <p:notesSz cx="6858000" cy="9144000"/>
@@ -12373,7 +12376,7 @@
           <a:p>
             <a:r>
               <a:rPr lang="en-US" dirty="0"/>
-              <a:t>Research updates, 2020-12-02</a:t>
+              <a:t>Twitter Research updates, 2020-12-02</a:t>
             </a:r>
           </a:p>
         </p:txBody>
@@ -12406,10 +12409,342 @@
           </a:p>
         </p:txBody>
       </p:sp>
+      <p:pic>
+        <p:nvPicPr>
+          <p:cNvPr id="5" name="Picture 4">
+            <a:extLst>
+              <a:ext uri="{FF2B5EF4-FFF2-40B4-BE49-F238E27FC236}">
+                <a16:creationId xmlns:a16="http://schemas.microsoft.com/office/drawing/2014/main" id="{E80CF1A5-E5F6-0B49-8A47-534A1E161A82}"/>
+              </a:ext>
+            </a:extLst>
+          </p:cNvPr>
+          <p:cNvPicPr>
+            <a:picLocks noChangeAspect="1"/>
+          </p:cNvPicPr>
+          <p:nvPr/>
+        </p:nvPicPr>
+        <p:blipFill>
+          <a:blip r:embed="rId2">
+            <a:extLst>
+              <a:ext uri="{837473B0-CC2E-450A-ABE3-18F120FF3D39}">
+                <a1611:picAttrSrcUrl xmlns:a1611="http://schemas.microsoft.com/office/drawing/2016/11/main" r:id="rId3"/>
+              </a:ext>
+            </a:extLst>
+          </a:blip>
+          <a:stretch>
+            <a:fillRect/>
+          </a:stretch>
+        </p:blipFill>
+        <p:spPr>
+          <a:xfrm>
+            <a:off x="4686300" y="3602038"/>
+            <a:ext cx="7029450" cy="2644412"/>
+          </a:xfrm>
+          <a:prstGeom prst="rect">
+            <a:avLst/>
+          </a:prstGeom>
+        </p:spPr>
+      </p:pic>
     </p:spTree>
     <p:extLst>
       <p:ext uri="{BB962C8B-B14F-4D97-AF65-F5344CB8AC3E}">
         <p14:creationId xmlns:p14="http://schemas.microsoft.com/office/powerpoint/2010/main" val="3460851305"/>
+      </p:ext>
+    </p:extLst>
+  </p:cSld>
+  <p:clrMapOvr>
+    <a:masterClrMapping/>
+  </p:clrMapOvr>
+</p:sld>
+</file>
+
+<file path=ppt/slides/slide10.xml><?xml version="1.0" encoding="utf-8"?>
+<p:sld xmlns:a="http://schemas.openxmlformats.org/drawingml/2006/main" xmlns:r="http://schemas.openxmlformats.org/officeDocument/2006/relationships" xmlns:p="http://schemas.openxmlformats.org/presentationml/2006/main">
+  <p:cSld>
+    <p:spTree>
+      <p:nvGrpSpPr>
+        <p:cNvPr id="1" name=""/>
+        <p:cNvGrpSpPr/>
+        <p:nvPr/>
+      </p:nvGrpSpPr>
+      <p:grpSpPr>
+        <a:xfrm>
+          <a:off x="0" y="0"/>
+          <a:ext cx="0" cy="0"/>
+          <a:chOff x="0" y="0"/>
+          <a:chExt cx="0" cy="0"/>
+        </a:xfrm>
+      </p:grpSpPr>
+      <p:sp>
+        <p:nvSpPr>
+          <p:cNvPr id="2" name="Title 1">
+            <a:extLst>
+              <a:ext uri="{FF2B5EF4-FFF2-40B4-BE49-F238E27FC236}">
+                <a16:creationId xmlns:a16="http://schemas.microsoft.com/office/drawing/2014/main" id="{F2CA6245-FDF2-AB41-88FC-CB4F29667DC8}"/>
+              </a:ext>
+            </a:extLst>
+          </p:cNvPr>
+          <p:cNvSpPr>
+            <a:spLocks noGrp="1"/>
+          </p:cNvSpPr>
+          <p:nvPr>
+            <p:ph type="title"/>
+          </p:nvPr>
+        </p:nvSpPr>
+        <p:spPr/>
+        <p:txBody>
+          <a:bodyPr/>
+          <a:lstStyle/>
+          <a:p>
+            <a:r>
+              <a:rPr lang="en-US" dirty="0"/>
+              <a:t>Obstacles in approach</a:t>
+            </a:r>
+          </a:p>
+        </p:txBody>
+      </p:sp>
+      <p:sp>
+        <p:nvSpPr>
+          <p:cNvPr id="3" name="Content Placeholder 2">
+            <a:extLst>
+              <a:ext uri="{FF2B5EF4-FFF2-40B4-BE49-F238E27FC236}">
+                <a16:creationId xmlns:a16="http://schemas.microsoft.com/office/drawing/2014/main" id="{0493938D-D2EE-014A-8C05-98C5DE9E2A09}"/>
+              </a:ext>
+            </a:extLst>
+          </p:cNvPr>
+          <p:cNvSpPr>
+            <a:spLocks noGrp="1"/>
+          </p:cNvSpPr>
+          <p:nvPr>
+            <p:ph idx="1"/>
+          </p:nvPr>
+        </p:nvSpPr>
+        <p:spPr>
+          <a:xfrm>
+            <a:off x="623257" y="1944686"/>
+            <a:ext cx="10945485" cy="3989995"/>
+          </a:xfrm>
+        </p:spPr>
+        <p:txBody>
+          <a:bodyPr>
+            <a:normAutofit fontScale="85000" lnSpcReduction="10000"/>
+          </a:bodyPr>
+          <a:lstStyle/>
+          <a:p>
+            <a:r>
+              <a:rPr lang="en-US" dirty="0"/>
+              <a:t>Doing a raw keyword search on Twitter leads to many false positives</a:t>
+            </a:r>
+          </a:p>
+          <a:p>
+            <a:pPr lvl="1"/>
+            <a:r>
+              <a:rPr lang="en-US" dirty="0"/>
+              <a:t>E.g., “It’s sad to see that our baseball team lost today” != “depression”</a:t>
+            </a:r>
+          </a:p>
+          <a:p>
+            <a:pPr lvl="1"/>
+            <a:r>
+              <a:rPr lang="en-US" u="sng" dirty="0"/>
+              <a:t>Possible Solution</a:t>
+            </a:r>
+            <a:r>
+              <a:rPr lang="en-US" dirty="0"/>
+              <a:t>: Some research filtered for specific phrases (e.g., “I feel depressed”)</a:t>
+            </a:r>
+          </a:p>
+          <a:p>
+            <a:r>
+              <a:rPr lang="en-US" dirty="0"/>
+              <a:t>Hard to build a predictive model without “ground truth” labels</a:t>
+            </a:r>
+          </a:p>
+          <a:p>
+            <a:pPr lvl="1"/>
+            <a:r>
+              <a:rPr lang="en-US" dirty="0"/>
+              <a:t>Past research crowdsourced, using Amazon Mechanical Turk, to get information about which Twitter users reported symptoms of depression and at what point in time</a:t>
+            </a:r>
+          </a:p>
+          <a:p>
+            <a:pPr lvl="1"/>
+            <a:r>
+              <a:rPr lang="en-US" u="sng" dirty="0"/>
+              <a:t>Possible Solution</a:t>
+            </a:r>
+            <a:r>
+              <a:rPr lang="en-US" dirty="0"/>
+              <a:t>: use topic models + sentiment analysis, in order to classify tweets as pertaining to mental health</a:t>
+            </a:r>
+          </a:p>
+          <a:p>
+            <a:r>
+              <a:rPr lang="en-US" dirty="0"/>
+              <a:t>Language of post != presence of mental health concerns (at least, in the absence of ground truth labels)</a:t>
+            </a:r>
+          </a:p>
+          <a:p>
+            <a:pPr lvl="1"/>
+            <a:r>
+              <a:rPr lang="en-US" dirty="0"/>
+              <a:t>E.g., self-deprecation or sarcasm</a:t>
+            </a:r>
+          </a:p>
+        </p:txBody>
+      </p:sp>
+    </p:spTree>
+    <p:extLst>
+      <p:ext uri="{BB962C8B-B14F-4D97-AF65-F5344CB8AC3E}">
+        <p14:creationId xmlns:p14="http://schemas.microsoft.com/office/powerpoint/2010/main" val="1438068753"/>
+      </p:ext>
+    </p:extLst>
+  </p:cSld>
+  <p:clrMapOvr>
+    <a:masterClrMapping/>
+  </p:clrMapOvr>
+</p:sld>
+</file>
+
+<file path=ppt/slides/slide11.xml><?xml version="1.0" encoding="utf-8"?>
+<p:sld xmlns:a="http://schemas.openxmlformats.org/drawingml/2006/main" xmlns:r="http://schemas.openxmlformats.org/officeDocument/2006/relationships" xmlns:p="http://schemas.openxmlformats.org/presentationml/2006/main">
+  <p:cSld>
+    <p:spTree>
+      <p:nvGrpSpPr>
+        <p:cNvPr id="1" name=""/>
+        <p:cNvGrpSpPr/>
+        <p:nvPr/>
+      </p:nvGrpSpPr>
+      <p:grpSpPr>
+        <a:xfrm>
+          <a:off x="0" y="0"/>
+          <a:ext cx="0" cy="0"/>
+          <a:chOff x="0" y="0"/>
+          <a:chExt cx="0" cy="0"/>
+        </a:xfrm>
+      </p:grpSpPr>
+      <p:sp>
+        <p:nvSpPr>
+          <p:cNvPr id="2" name="Title 1">
+            <a:extLst>
+              <a:ext uri="{FF2B5EF4-FFF2-40B4-BE49-F238E27FC236}">
+                <a16:creationId xmlns:a16="http://schemas.microsoft.com/office/drawing/2014/main" id="{2A8677ED-D002-A048-BF00-00A322030F7C}"/>
+              </a:ext>
+            </a:extLst>
+          </p:cNvPr>
+          <p:cNvSpPr>
+            <a:spLocks noGrp="1"/>
+          </p:cNvSpPr>
+          <p:nvPr>
+            <p:ph type="title"/>
+          </p:nvPr>
+        </p:nvSpPr>
+        <p:spPr/>
+        <p:txBody>
+          <a:bodyPr/>
+          <a:lstStyle/>
+          <a:p>
+            <a:r>
+              <a:rPr lang="en-US" dirty="0"/>
+              <a:t>(possible) Next steps</a:t>
+            </a:r>
+          </a:p>
+        </p:txBody>
+      </p:sp>
+      <p:sp>
+        <p:nvSpPr>
+          <p:cNvPr id="3" name="Content Placeholder 2">
+            <a:extLst>
+              <a:ext uri="{FF2B5EF4-FFF2-40B4-BE49-F238E27FC236}">
+                <a16:creationId xmlns:a16="http://schemas.microsoft.com/office/drawing/2014/main" id="{6BC4F753-96E1-624C-96D1-76E13E034C92}"/>
+              </a:ext>
+            </a:extLst>
+          </p:cNvPr>
+          <p:cNvSpPr>
+            <a:spLocks noGrp="1"/>
+          </p:cNvSpPr>
+          <p:nvPr>
+            <p:ph idx="1"/>
+          </p:nvPr>
+        </p:nvSpPr>
+        <p:spPr>
+          <a:xfrm>
+            <a:off x="1141412" y="2249487"/>
+            <a:ext cx="9905999" cy="4119782"/>
+          </a:xfrm>
+        </p:spPr>
+        <p:txBody>
+          <a:bodyPr>
+            <a:normAutofit fontScale="92500" lnSpcReduction="20000"/>
+          </a:bodyPr>
+          <a:lstStyle/>
+          <a:p>
+            <a:r>
+              <a:rPr lang="en-US" dirty="0"/>
+              <a:t>Scrape tweets from different points in time</a:t>
+            </a:r>
+          </a:p>
+          <a:p>
+            <a:pPr lvl="1"/>
+            <a:r>
+              <a:rPr lang="en-US" dirty="0"/>
+              <a:t>Which dates/times to scrape tweets from?</a:t>
+            </a:r>
+          </a:p>
+          <a:p>
+            <a:pPr lvl="1"/>
+            <a:r>
+              <a:rPr lang="en-US" dirty="0"/>
+              <a:t>How many tweets to scrape?</a:t>
+            </a:r>
+          </a:p>
+          <a:p>
+            <a:r>
+              <a:rPr lang="en-US" dirty="0"/>
+              <a:t>Measure “sentiment” of tweets over time:</a:t>
+            </a:r>
+          </a:p>
+          <a:p>
+            <a:pPr lvl="1"/>
+            <a:r>
+              <a:rPr lang="en-US" dirty="0"/>
+              <a:t>Are people posting more about mental health issues as the pandemic progresses?</a:t>
+            </a:r>
+          </a:p>
+          <a:p>
+            <a:pPr lvl="1"/>
+            <a:r>
+              <a:rPr lang="en-US" dirty="0"/>
+              <a:t>Can any trend be associated to COVID trends /timelines (e.g., do more people post about mental health issues as states go into lockdown)?</a:t>
+            </a:r>
+          </a:p>
+          <a:p>
+            <a:pPr lvl="1"/>
+            <a:r>
+              <a:rPr lang="en-US" dirty="0"/>
+              <a:t>Possible approaches:</a:t>
+            </a:r>
+          </a:p>
+          <a:p>
+            <a:pPr lvl="2"/>
+            <a:r>
+              <a:rPr lang="en-US" dirty="0"/>
+              <a:t>Topic models</a:t>
+            </a:r>
+          </a:p>
+          <a:p>
+            <a:pPr lvl="2"/>
+            <a:r>
+              <a:rPr lang="en-US" dirty="0"/>
+              <a:t>Using fine-tuned NLP model (e.g., BERT, fine-tuned to detect depression) or a pretrained model, in order to perform sentiment classification </a:t>
+            </a:r>
+          </a:p>
+        </p:txBody>
+      </p:sp>
+    </p:spTree>
+    <p:extLst>
+      <p:ext uri="{BB962C8B-B14F-4D97-AF65-F5344CB8AC3E}">
+        <p14:creationId xmlns:p14="http://schemas.microsoft.com/office/powerpoint/2010/main" val="2421079471"/>
       </p:ext>
     </p:extLst>
   </p:cSld>
@@ -12487,37 +12822,37 @@
           <a:p>
             <a:r>
               <a:rPr lang="en-US" dirty="0"/>
-              <a:t>Past work</a:t>
+              <a:t>Past Work</a:t>
             </a:r>
           </a:p>
           <a:p>
             <a:r>
               <a:rPr lang="en-US" dirty="0"/>
-              <a:t>General approach</a:t>
+              <a:t>General Approach</a:t>
             </a:r>
           </a:p>
           <a:p>
             <a:r>
               <a:rPr lang="en-US" dirty="0"/>
-              <a:t>Data collection</a:t>
+              <a:t>Data Collection</a:t>
             </a:r>
           </a:p>
           <a:p>
             <a:r>
               <a:rPr lang="en-US" dirty="0"/>
-              <a:t>Exploratory data analysis</a:t>
+              <a:t>Exploratory Data Analysis</a:t>
             </a:r>
           </a:p>
           <a:p>
             <a:r>
               <a:rPr lang="en-US" dirty="0"/>
-              <a:t>Topic models</a:t>
+              <a:t>Topic Models</a:t>
             </a:r>
           </a:p>
           <a:p>
             <a:r>
               <a:rPr lang="en-US" dirty="0"/>
-              <a:t>Next steps</a:t>
+              <a:t>(Possible) Next Steps</a:t>
             </a:r>
           </a:p>
           <a:p>
@@ -12659,6 +12994,110 @@
           <p:cNvPr id="2" name="Title 1">
             <a:extLst>
               <a:ext uri="{FF2B5EF4-FFF2-40B4-BE49-F238E27FC236}">
+                <a16:creationId xmlns:a16="http://schemas.microsoft.com/office/drawing/2014/main" id="{CE7B1663-60E1-5941-A1F2-D61A578B6BE1}"/>
+              </a:ext>
+            </a:extLst>
+          </p:cNvPr>
+          <p:cNvSpPr>
+            <a:spLocks noGrp="1"/>
+          </p:cNvSpPr>
+          <p:nvPr>
+            <p:ph type="title"/>
+          </p:nvPr>
+        </p:nvSpPr>
+        <p:spPr/>
+        <p:txBody>
+          <a:bodyPr/>
+          <a:lstStyle/>
+          <a:p>
+            <a:r>
+              <a:rPr lang="en-US" dirty="0"/>
+              <a:t>Multimodal approach</a:t>
+            </a:r>
+          </a:p>
+        </p:txBody>
+      </p:sp>
+      <p:sp>
+        <p:nvSpPr>
+          <p:cNvPr id="3" name="Content Placeholder 2">
+            <a:extLst>
+              <a:ext uri="{FF2B5EF4-FFF2-40B4-BE49-F238E27FC236}">
+                <a16:creationId xmlns:a16="http://schemas.microsoft.com/office/drawing/2014/main" id="{319D0E2C-3A6E-1244-A5E2-72C199DB31F9}"/>
+              </a:ext>
+            </a:extLst>
+          </p:cNvPr>
+          <p:cNvSpPr>
+            <a:spLocks noGrp="1"/>
+          </p:cNvSpPr>
+          <p:nvPr>
+            <p:ph idx="1"/>
+          </p:nvPr>
+        </p:nvSpPr>
+        <p:spPr/>
+        <p:txBody>
+          <a:bodyPr/>
+          <a:lstStyle/>
+          <a:p>
+            <a:r>
+              <a:rPr lang="en-US" dirty="0"/>
+              <a:t>User text</a:t>
+            </a:r>
+          </a:p>
+          <a:p>
+            <a:r>
+              <a:rPr lang="en-US" dirty="0"/>
+              <a:t>Images in the tweet</a:t>
+            </a:r>
+          </a:p>
+          <a:p>
+            <a:r>
+              <a:rPr lang="en-US" dirty="0"/>
+              <a:t>User Twitter behavior</a:t>
+            </a:r>
+          </a:p>
+          <a:p>
+            <a:r>
+              <a:rPr lang="en-US" dirty="0"/>
+              <a:t>Demographics</a:t>
+            </a:r>
+          </a:p>
+        </p:txBody>
+      </p:sp>
+    </p:spTree>
+    <p:extLst>
+      <p:ext uri="{BB962C8B-B14F-4D97-AF65-F5344CB8AC3E}">
+        <p14:creationId xmlns:p14="http://schemas.microsoft.com/office/powerpoint/2010/main" val="2456127140"/>
+      </p:ext>
+    </p:extLst>
+  </p:cSld>
+  <p:clrMapOvr>
+    <a:masterClrMapping/>
+  </p:clrMapOvr>
+</p:sld>
+</file>
+
+<file path=ppt/slides/slide5.xml><?xml version="1.0" encoding="utf-8"?>
+<p:sld xmlns:a="http://schemas.openxmlformats.org/drawingml/2006/main" xmlns:r="http://schemas.openxmlformats.org/officeDocument/2006/relationships" xmlns:p="http://schemas.openxmlformats.org/presentationml/2006/main">
+  <p:cSld>
+    <p:spTree>
+      <p:nvGrpSpPr>
+        <p:cNvPr id="1" name=""/>
+        <p:cNvGrpSpPr/>
+        <p:nvPr/>
+      </p:nvGrpSpPr>
+      <p:grpSpPr>
+        <a:xfrm>
+          <a:off x="0" y="0"/>
+          <a:ext cx="0" cy="0"/>
+          <a:chOff x="0" y="0"/>
+          <a:chExt cx="0" cy="0"/>
+        </a:xfrm>
+      </p:grpSpPr>
+      <p:sp>
+        <p:nvSpPr>
+          <p:cNvPr id="2" name="Title 1">
+            <a:extLst>
+              <a:ext uri="{FF2B5EF4-FFF2-40B4-BE49-F238E27FC236}">
                 <a16:creationId xmlns:a16="http://schemas.microsoft.com/office/drawing/2014/main" id="{00CFAD9D-0796-B745-BE9A-78B833DD9730}"/>
               </a:ext>
             </a:extLst>
@@ -12757,7 +13196,7 @@
 </p:sld>
 </file>
 
-<file path=ppt/slides/slide5.xml><?xml version="1.0" encoding="utf-8"?>
+<file path=ppt/slides/slide6.xml><?xml version="1.0" encoding="utf-8"?>
 <p:sld xmlns:a="http://schemas.openxmlformats.org/drawingml/2006/main" xmlns:r="http://schemas.openxmlformats.org/officeDocument/2006/relationships" xmlns:p="http://schemas.openxmlformats.org/presentationml/2006/main">
   <p:cSld>
     <p:spTree>
@@ -12818,9 +13257,16 @@
             <p:ph idx="1"/>
           </p:nvPr>
         </p:nvSpPr>
-        <p:spPr/>
+        <p:spPr>
+          <a:xfrm>
+            <a:off x="1141413" y="1818562"/>
+            <a:ext cx="9905999" cy="4420919"/>
+          </a:xfrm>
+        </p:spPr>
         <p:txBody>
-          <a:bodyPr/>
+          <a:bodyPr>
+            <a:normAutofit fontScale="92500" lnSpcReduction="10000"/>
+          </a:bodyPr>
           <a:lstStyle/>
           <a:p>
             <a:r>
@@ -12832,16 +13278,59 @@
             <a:pPr lvl="1"/>
             <a:r>
               <a:rPr lang="en-US" dirty="0"/>
-              <a:t>2020-11-25: Scraped 25,000 COVID tweets (keywords: </a:t>
-            </a:r>
-            <a:r>
-              <a:rPr lang="en-US" dirty="0" err="1"/>
-              <a:t>covid</a:t>
-            </a:r>
+              <a:t>2020-11-25: Scraped 25,000 COVID tweets (keywords: covid19, coronavirus, lockdown)</a:t>
+            </a:r>
+          </a:p>
+          <a:p>
+            <a:pPr lvl="1"/>
             <a:r>
               <a:rPr lang="en-US" dirty="0"/>
-              <a:t>, </a:t>
-            </a:r>
+              <a:t>2020-11-30: Scraped 35,000 depression tweets (keywords: depression, anxiety, fear, worry, distress, suicide, pain)</a:t>
+            </a:r>
+          </a:p>
+          <a:p>
+            <a:pPr lvl="1"/>
+            <a:r>
+              <a:rPr lang="en-US" dirty="0"/>
+              <a:t>2020-11-30: Scraped 35,000 miscellaneous tweets (keywords: happy, alive, brave, confident, sport, office, animal, meal, computer) </a:t>
+            </a:r>
+          </a:p>
+          <a:p>
+            <a:r>
+              <a:rPr lang="en-US" dirty="0"/>
+              <a:t>After data cleaning, the number of tweets in each set was:</a:t>
+            </a:r>
+          </a:p>
+          <a:p>
+            <a:pPr lvl="1"/>
+            <a:r>
+              <a:rPr lang="en-US" dirty="0"/>
+              <a:t>COVID tweets (2020-11-25): 8,178 (original: 25,000)</a:t>
+            </a:r>
+          </a:p>
+          <a:p>
+            <a:pPr lvl="1"/>
+            <a:r>
+              <a:rPr lang="en-US" dirty="0"/>
+              <a:t>Depression tweets (2020-11-30): 15, 777 (original: 35,000)</a:t>
+            </a:r>
+          </a:p>
+          <a:p>
+            <a:pPr lvl="1"/>
+            <a:r>
+              <a:rPr lang="en-US" dirty="0"/>
+              <a:t>Miscellaneous tweets (2020-11-30): 14, 811 (original: 35,000)</a:t>
+            </a:r>
+          </a:p>
+          <a:p>
+            <a:r>
+              <a:rPr lang="en-US" dirty="0"/>
+              <a:t>Total number of tweets: 38, 766</a:t>
+            </a:r>
+          </a:p>
+          <a:p>
+            <a:pPr lvl="1"/>
+            <a:endParaRPr lang="en-US" dirty="0"/>
           </a:p>
         </p:txBody>
       </p:sp>
@@ -12858,7 +13347,7 @@
 </p:sld>
 </file>
 
-<file path=ppt/slides/slide6.xml><?xml version="1.0" encoding="utf-8"?>
+<file path=ppt/slides/slide7.xml><?xml version="1.0" encoding="utf-8"?>
 <p:sld xmlns:a="http://schemas.openxmlformats.org/drawingml/2006/main" xmlns:r="http://schemas.openxmlformats.org/officeDocument/2006/relationships" xmlns:p="http://schemas.openxmlformats.org/presentationml/2006/main">
   <p:cSld>
     <p:spTree>
@@ -12941,7 +13430,7 @@
 </p:sld>
 </file>
 
-<file path=ppt/slides/slide7.xml><?xml version="1.0" encoding="utf-8"?>
+<file path=ppt/slides/slide8.xml><?xml version="1.0" encoding="utf-8"?>
 <p:sld xmlns:a="http://schemas.openxmlformats.org/drawingml/2006/main" xmlns:r="http://schemas.openxmlformats.org/officeDocument/2006/relationships" xmlns:p="http://schemas.openxmlformats.org/presentationml/2006/main">
   <p:cSld>
     <p:spTree>
@@ -13045,10 +13534,9 @@
           <a:lstStyle/>
           <a:p>
             <a:r>
-              <a:rPr lang="en-US" dirty="0" err="1"/>
-              <a:t>Wordclouds</a:t>
-            </a:r>
-            <a:endParaRPr lang="en-US" dirty="0"/>
+              <a:rPr lang="en-US" dirty="0"/>
+              <a:t>Word clouds</a:t>
+            </a:r>
           </a:p>
         </p:txBody>
       </p:sp>
@@ -13135,7 +13623,7 @@
 </p:sld>
 </file>
 
-<file path=ppt/slides/slide8.xml><?xml version="1.0" encoding="utf-8"?>
+<file path=ppt/slides/slide9.xml><?xml version="1.0" encoding="utf-8"?>
 <p:sld xmlns:a="http://schemas.openxmlformats.org/drawingml/2006/main" xmlns:r="http://schemas.openxmlformats.org/officeDocument/2006/relationships" xmlns:p="http://schemas.openxmlformats.org/presentationml/2006/main">
   <p:cSld>
     <p:spTree>
@@ -13157,7 +13645,7 @@
           <p:cNvPr id="2" name="Title 1">
             <a:extLst>
               <a:ext uri="{FF2B5EF4-FFF2-40B4-BE49-F238E27FC236}">
-                <a16:creationId xmlns:a16="http://schemas.microsoft.com/office/drawing/2014/main" id="{2A8677ED-D002-A048-BF00-00A322030F7C}"/>
+                <a16:creationId xmlns:a16="http://schemas.microsoft.com/office/drawing/2014/main" id="{987D160B-F03A-FB45-8AB4-82257D45BC4F}"/>
               </a:ext>
             </a:extLst>
           </p:cNvPr>
@@ -13173,7 +13661,10 @@
           <a:bodyPr/>
           <a:lstStyle/>
           <a:p>
-            <a:endParaRPr lang="en-US"/>
+            <a:r>
+              <a:rPr lang="en-US" dirty="0"/>
+              <a:t>Topic models</a:t>
+            </a:r>
           </a:p>
         </p:txBody>
       </p:sp>
@@ -13182,7 +13673,7 @@
           <p:cNvPr id="3" name="Content Placeholder 2">
             <a:extLst>
               <a:ext uri="{FF2B5EF4-FFF2-40B4-BE49-F238E27FC236}">
-                <a16:creationId xmlns:a16="http://schemas.microsoft.com/office/drawing/2014/main" id="{6BC4F753-96E1-624C-96D1-76E13E034C92}"/>
+                <a16:creationId xmlns:a16="http://schemas.microsoft.com/office/drawing/2014/main" id="{53A2DBA1-65D0-7B40-B31B-B39685A663A8}"/>
               </a:ext>
             </a:extLst>
           </p:cNvPr>
@@ -13198,14 +13689,17 @@
           <a:bodyPr/>
           <a:lstStyle/>
           <a:p>
-            <a:endParaRPr lang="en-US"/>
+            <a:r>
+              <a:rPr lang="en-US" dirty="0"/>
+              <a:t>(Insert topic models here)</a:t>
+            </a:r>
           </a:p>
         </p:txBody>
       </p:sp>
     </p:spTree>
     <p:extLst>
       <p:ext uri="{BB962C8B-B14F-4D97-AF65-F5344CB8AC3E}">
-        <p14:creationId xmlns:p14="http://schemas.microsoft.com/office/powerpoint/2010/main" val="2421079471"/>
+        <p14:creationId xmlns:p14="http://schemas.microsoft.com/office/powerpoint/2010/main" val="2900534312"/>
       </p:ext>
     </p:extLst>
   </p:cSld>
